--- a/document/Presentation - scan and pay.pptx
+++ b/document/Presentation - scan and pay.pptx
@@ -3722,10 +3722,10 @@
         </p:nvGrpSpPr>
         <p:grpSpPr>
           <a:xfrm rot="0">
-            <a:off x="1028700" y="7983213"/>
-            <a:ext cx="3695922" cy="1486679"/>
+            <a:off x="1028700" y="7983199"/>
+            <a:ext cx="4014274" cy="1486692"/>
             <a:chOff x="0" y="0"/>
-            <a:chExt cx="4927896" cy="1982238"/>
+            <a:chExt cx="5352365" cy="1982256"/>
           </a:xfrm>
         </p:grpSpPr>
         <p:sp>
@@ -3736,8 +3736,8 @@
           </p:nvSpPr>
           <p:spPr>
             <a:xfrm rot="0">
-              <a:off x="0" y="667153"/>
-              <a:ext cx="4927896" cy="1315085"/>
+              <a:off x="0" y="667171"/>
+              <a:ext cx="5352365" cy="1315085"/>
             </a:xfrm>
             <a:prstGeom prst="rect">
               <a:avLst/>
@@ -3755,7 +3755,7 @@
                 </a:lnSpc>
               </a:pPr>
               <a:r>
-                <a:rPr lang="en-US" sz="2887" u="none">
+                <a:rPr lang="en-US" sz="2887">
                   <a:solidFill>
                     <a:srgbClr val="FFFFFF"/>
                   </a:solidFill>
@@ -3764,7 +3764,7 @@
                   <a:cs typeface="HK Grotesk"/>
                   <a:sym typeface="HK Grotesk"/>
                 </a:rPr>
-                <a:t>For College Presentation</a:t>
+                <a:t>KIET Group of Institution</a:t>
               </a:r>
             </a:p>
           </p:txBody>
@@ -3778,7 +3778,7 @@
           <p:spPr>
             <a:xfrm rot="0">
               <a:off x="0" y="-104775"/>
-              <a:ext cx="4927896" cy="664404"/>
+              <a:ext cx="5352365" cy="664422"/>
             </a:xfrm>
             <a:prstGeom prst="rect">
               <a:avLst/>
@@ -3822,10 +3822,10 @@
         </p:nvGrpSpPr>
         <p:grpSpPr>
           <a:xfrm rot="0">
-            <a:off x="8427020" y="7983213"/>
-            <a:ext cx="3695922" cy="1509498"/>
+            <a:off x="8408654" y="7841202"/>
+            <a:ext cx="3695922" cy="2014323"/>
             <a:chOff x="0" y="0"/>
-            <a:chExt cx="4927896" cy="2012664"/>
+            <a:chExt cx="4927896" cy="2685764"/>
           </a:xfrm>
         </p:grpSpPr>
         <p:sp>
@@ -3837,7 +3837,7 @@
           <p:spPr>
             <a:xfrm rot="0">
               <a:off x="0" y="697579"/>
-              <a:ext cx="4927896" cy="1315085"/>
+              <a:ext cx="4927896" cy="1988185"/>
             </a:xfrm>
             <a:prstGeom prst="rect">
               <a:avLst/>
@@ -3864,7 +3864,7 @@
                   <a:cs typeface="HK Grotesk"/>
                   <a:sym typeface="HK Grotesk"/>
                 </a:rPr>
-                <a:t>Presented by [Your Name]</a:t>
+                <a:t>Presented by VANSH, SHARANDEEP, SHIV, YADUVENDRA</a:t>
               </a:r>
             </a:p>
           </p:txBody>
